--- a/JetInv.pptx
+++ b/JetInv.pptx
@@ -115,7 +115,7 @@
   </p:defaultTextStyle>
   <p:extLst>
     <p:ext uri="{EFAFB233-063F-42B5-8137-9DF3F51BA10A}">
-      <p15:sldGuideLst xmlns:p15="http://schemas.microsoft.com/office/powerpoint/2012/main"/>
+      <p15:sldGuideLst xmlns:p15="http://schemas.microsoft.com/office/powerpoint/2012/main" xmlns=""/>
     </p:ext>
   </p:extLst>
 </p:presentation>
@@ -252,7 +252,7 @@
           <a:p>
             <a:fld id="{33CFED8A-2D57-409F-8A32-0A7FBFCF064E}" type="datetimeFigureOut">
               <a:rPr lang="de-DE" smtClean="0"/>
-              <a:t>06.04.2017</a:t>
+              <a:t>07.04.2017</a:t>
             </a:fld>
             <a:endParaRPr lang="de-DE"/>
           </a:p>
@@ -422,7 +422,7 @@
           <a:p>
             <a:fld id="{33CFED8A-2D57-409F-8A32-0A7FBFCF064E}" type="datetimeFigureOut">
               <a:rPr lang="de-DE" smtClean="0"/>
-              <a:t>06.04.2017</a:t>
+              <a:t>07.04.2017</a:t>
             </a:fld>
             <a:endParaRPr lang="de-DE"/>
           </a:p>
@@ -602,7 +602,7 @@
           <a:p>
             <a:fld id="{33CFED8A-2D57-409F-8A32-0A7FBFCF064E}" type="datetimeFigureOut">
               <a:rPr lang="de-DE" smtClean="0"/>
-              <a:t>06.04.2017</a:t>
+              <a:t>07.04.2017</a:t>
             </a:fld>
             <a:endParaRPr lang="de-DE"/>
           </a:p>
@@ -772,7 +772,7 @@
           <a:p>
             <a:fld id="{33CFED8A-2D57-409F-8A32-0A7FBFCF064E}" type="datetimeFigureOut">
               <a:rPr lang="de-DE" smtClean="0"/>
-              <a:t>06.04.2017</a:t>
+              <a:t>07.04.2017</a:t>
             </a:fld>
             <a:endParaRPr lang="de-DE"/>
           </a:p>
@@ -1018,7 +1018,7 @@
           <a:p>
             <a:fld id="{33CFED8A-2D57-409F-8A32-0A7FBFCF064E}" type="datetimeFigureOut">
               <a:rPr lang="de-DE" smtClean="0"/>
-              <a:t>06.04.2017</a:t>
+              <a:t>07.04.2017</a:t>
             </a:fld>
             <a:endParaRPr lang="de-DE"/>
           </a:p>
@@ -1250,7 +1250,7 @@
           <a:p>
             <a:fld id="{33CFED8A-2D57-409F-8A32-0A7FBFCF064E}" type="datetimeFigureOut">
               <a:rPr lang="de-DE" smtClean="0"/>
-              <a:t>06.04.2017</a:t>
+              <a:t>07.04.2017</a:t>
             </a:fld>
             <a:endParaRPr lang="de-DE"/>
           </a:p>
@@ -1617,7 +1617,7 @@
           <a:p>
             <a:fld id="{33CFED8A-2D57-409F-8A32-0A7FBFCF064E}" type="datetimeFigureOut">
               <a:rPr lang="de-DE" smtClean="0"/>
-              <a:t>06.04.2017</a:t>
+              <a:t>07.04.2017</a:t>
             </a:fld>
             <a:endParaRPr lang="de-DE"/>
           </a:p>
@@ -1735,7 +1735,7 @@
           <a:p>
             <a:fld id="{33CFED8A-2D57-409F-8A32-0A7FBFCF064E}" type="datetimeFigureOut">
               <a:rPr lang="de-DE" smtClean="0"/>
-              <a:t>06.04.2017</a:t>
+              <a:t>07.04.2017</a:t>
             </a:fld>
             <a:endParaRPr lang="de-DE"/>
           </a:p>
@@ -1830,7 +1830,7 @@
           <a:p>
             <a:fld id="{33CFED8A-2D57-409F-8A32-0A7FBFCF064E}" type="datetimeFigureOut">
               <a:rPr lang="de-DE" smtClean="0"/>
-              <a:t>06.04.2017</a:t>
+              <a:t>07.04.2017</a:t>
             </a:fld>
             <a:endParaRPr lang="de-DE"/>
           </a:p>
@@ -2107,7 +2107,7 @@
           <a:p>
             <a:fld id="{33CFED8A-2D57-409F-8A32-0A7FBFCF064E}" type="datetimeFigureOut">
               <a:rPr lang="de-DE" smtClean="0"/>
-              <a:t>06.04.2017</a:t>
+              <a:t>07.04.2017</a:t>
             </a:fld>
             <a:endParaRPr lang="de-DE"/>
           </a:p>
@@ -2360,7 +2360,7 @@
           <a:p>
             <a:fld id="{33CFED8A-2D57-409F-8A32-0A7FBFCF064E}" type="datetimeFigureOut">
               <a:rPr lang="de-DE" smtClean="0"/>
-              <a:t>06.04.2017</a:t>
+              <a:t>07.04.2017</a:t>
             </a:fld>
             <a:endParaRPr lang="de-DE"/>
           </a:p>
@@ -2573,7 +2573,7 @@
           <a:p>
             <a:fld id="{33CFED8A-2D57-409F-8A32-0A7FBFCF064E}" type="datetimeFigureOut">
               <a:rPr lang="de-DE" smtClean="0"/>
-              <a:t>06.04.2017</a:t>
+              <a:t>07.04.2017</a:t>
             </a:fld>
             <a:endParaRPr lang="de-DE"/>
           </a:p>
@@ -3609,7 +3609,6 @@
               <a:rPr lang="de-DE" dirty="0" smtClean="0"/>
               <a:t>Lieferanten</a:t>
             </a:r>
-            <a:endParaRPr lang="de-DE" dirty="0" smtClean="0"/>
           </a:p>
           <a:p>
             <a:r>
@@ -4208,7 +4207,7 @@
   <a:extraClrSchemeLst/>
   <a:extLst>
     <a:ext uri="{05A4C25C-085E-4340-85A3-A5531E510DB2}">
-      <thm15:themeFamily xmlns:thm15="http://schemas.microsoft.com/office/thememl/2012/main" name="Office Theme" id="{62F939B6-93AF-4DB8-9C6B-D6C7DFDC589F}" vid="{4A3C46E8-61CC-4603-A589-7422A47A8E4A}"/>
+      <thm15:themeFamily xmlns:thm15="http://schemas.microsoft.com/office/thememl/2012/main" xmlns="" name="Office Theme" id="{62F939B6-93AF-4DB8-9C6B-D6C7DFDC589F}" vid="{4A3C46E8-61CC-4603-A589-7422A47A8E4A}"/>
     </a:ext>
   </a:extLst>
 </a:theme>

--- a/JetInv.pptx
+++ b/JetInv.pptx
@@ -115,7 +115,7 @@
   </p:defaultTextStyle>
   <p:extLst>
     <p:ext uri="{EFAFB233-063F-42B5-8137-9DF3F51BA10A}">
-      <p15:sldGuideLst xmlns:p15="http://schemas.microsoft.com/office/powerpoint/2012/main" xmlns=""/>
+      <p15:sldGuideLst xmlns="" xmlns:p15="http://schemas.microsoft.com/office/powerpoint/2012/main"/>
     </p:ext>
   </p:extLst>
 </p:presentation>
@@ -3429,6 +3429,13 @@
               <a:t>Artikel</a:t>
             </a:r>
           </a:p>
+          <a:p>
+            <a:r>
+              <a:rPr lang="de-DE" dirty="0" smtClean="0"/>
+              <a:t>Kommentar</a:t>
+            </a:r>
+            <a:endParaRPr lang="de-DE" dirty="0" smtClean="0"/>
+          </a:p>
         </p:txBody>
       </p:sp>
     </p:spTree>
@@ -3528,6 +3535,19 @@
               <a:rPr lang="de-DE" dirty="0" smtClean="0"/>
               <a:t>Artikel</a:t>
             </a:r>
+          </a:p>
+          <a:p>
+            <a:r>
+              <a:rPr lang="de-DE" dirty="0" smtClean="0"/>
+              <a:t>Kommentar</a:t>
+            </a:r>
+          </a:p>
+          <a:p>
+            <a:r>
+              <a:rPr lang="de-DE" smtClean="0"/>
+              <a:t>Fließtext</a:t>
+            </a:r>
+            <a:endParaRPr lang="de-DE" dirty="0" smtClean="0"/>
           </a:p>
         </p:txBody>
       </p:sp>
@@ -4207,7 +4227,7 @@
   <a:extraClrSchemeLst/>
   <a:extLst>
     <a:ext uri="{05A4C25C-085E-4340-85A3-A5531E510DB2}">
-      <thm15:themeFamily xmlns:thm15="http://schemas.microsoft.com/office/thememl/2012/main" xmlns="" name="Office Theme" id="{62F939B6-93AF-4DB8-9C6B-D6C7DFDC589F}" vid="{4A3C46E8-61CC-4603-A589-7422A47A8E4A}"/>
+      <thm15:themeFamily xmlns="" xmlns:thm15="http://schemas.microsoft.com/office/thememl/2012/main" name="Office Theme" id="{62F939B6-93AF-4DB8-9C6B-D6C7DFDC589F}" vid="{4A3C46E8-61CC-4603-A589-7422A47A8E4A}"/>
     </a:ext>
   </a:extLst>
 </a:theme>
